--- a/digitalportfilopresentation.pptx
+++ b/digitalportfilopresentation.pptx
@@ -5,7 +5,7 @@
     <p:sldMasterId id="2147483648" r:id="rId1"/>
   </p:sldMasterIdLst>
   <p:notesMasterIdLst>
-    <p:notesMasterId r:id="rId19"/>
+    <p:notesMasterId r:id="rId20"/>
   </p:notesMasterIdLst>
   <p:sldIdLst>
     <p:sldId id="256" r:id="rId2"/>
@@ -24,7 +24,8 @@
     <p:sldId id="272" r:id="rId15"/>
     <p:sldId id="275" r:id="rId16"/>
     <p:sldId id="276" r:id="rId17"/>
-    <p:sldId id="265" r:id="rId18"/>
+    <p:sldId id="278" r:id="rId18"/>
+    <p:sldId id="265" r:id="rId19"/>
   </p:sldIdLst>
   <p:sldSz cx="12192000" cy="6858000"/>
   <p:notesSz cx="12192000" cy="6858000"/>
@@ -145,7 +146,7 @@
 <file path=ppt/revisionInfo.xml><?xml version="1.0" encoding="utf-8"?>
 <p1510:revInfo xmlns:a="http://schemas.openxmlformats.org/drawingml/2006/main" xmlns:r="http://schemas.openxmlformats.org/officeDocument/2006/relationships" xmlns:p1510="http://schemas.microsoft.com/office/powerpoint/2015/10/main">
   <p1510:revLst>
-    <p1510:client id="{C7868AF8-6D63-4DD5-97DC-CB13D2BD8D47}" v="36" dt="2025-08-30T14:36:32.954"/>
+    <p1510:client id="{C7868AF8-6D63-4DD5-97DC-CB13D2BD8D47}" v="39" dt="2025-08-31T02:02:30.252"/>
   </p1510:revLst>
 </p1510:revInfo>
 </file>
@@ -155,7 +156,7 @@
   <pc:docChgLst>
     <pc:chgData name="buvanesh s" userId="bfe0a96a4d05e6f8" providerId="LiveId" clId="{C7868AF8-6D63-4DD5-97DC-CB13D2BD8D47}"/>
     <pc:docChg chg="undo custSel addSld delSld modSld">
-      <pc:chgData name="buvanesh s" userId="bfe0a96a4d05e6f8" providerId="LiveId" clId="{C7868AF8-6D63-4DD5-97DC-CB13D2BD8D47}" dt="2025-08-30T15:00:01.246" v="2399" actId="12"/>
+      <pc:chgData name="buvanesh s" userId="bfe0a96a4d05e6f8" providerId="LiveId" clId="{C7868AF8-6D63-4DD5-97DC-CB13D2BD8D47}" dt="2025-08-31T02:03:47.337" v="2434" actId="688"/>
       <pc:docMkLst>
         <pc:docMk/>
       </pc:docMkLst>
@@ -923,6 +924,29 @@
           </ac:picMkLst>
         </pc:picChg>
       </pc:sldChg>
+      <pc:sldChg chg="addSp modSp new mod modClrScheme chgLayout">
+        <pc:chgData name="buvanesh s" userId="bfe0a96a4d05e6f8" providerId="LiveId" clId="{C7868AF8-6D63-4DD5-97DC-CB13D2BD8D47}" dt="2025-08-31T02:03:47.337" v="2434" actId="688"/>
+        <pc:sldMkLst>
+          <pc:docMk/>
+          <pc:sldMk cId="329222457" sldId="278"/>
+        </pc:sldMkLst>
+        <pc:spChg chg="mod ord">
+          <ac:chgData name="buvanesh s" userId="bfe0a96a4d05e6f8" providerId="LiveId" clId="{C7868AF8-6D63-4DD5-97DC-CB13D2BD8D47}" dt="2025-08-31T01:58:28.323" v="2417" actId="700"/>
+          <ac:spMkLst>
+            <pc:docMk/>
+            <pc:sldMk cId="329222457" sldId="278"/>
+            <ac:spMk id="2" creationId="{4BF54AD2-1150-CF6A-6090-DBCAABB53330}"/>
+          </ac:spMkLst>
+        </pc:spChg>
+        <pc:spChg chg="add mod ord">
+          <ac:chgData name="buvanesh s" userId="bfe0a96a4d05e6f8" providerId="LiveId" clId="{C7868AF8-6D63-4DD5-97DC-CB13D2BD8D47}" dt="2025-08-31T02:03:47.337" v="2434" actId="688"/>
+          <ac:spMkLst>
+            <pc:docMk/>
+            <pc:sldMk cId="329222457" sldId="278"/>
+            <ac:spMk id="3" creationId="{20588FD5-0C8B-F90A-9C9A-98AA34C33015}"/>
+          </ac:spMkLst>
+        </pc:spChg>
+      </pc:sldChg>
       <pc:sldChg chg="new del">
         <pc:chgData name="buvanesh s" userId="bfe0a96a4d05e6f8" providerId="LiveId" clId="{C7868AF8-6D63-4DD5-97DC-CB13D2BD8D47}" dt="2025-08-30T14:34:50.161" v="2263" actId="2696"/>
         <pc:sldMkLst>
@@ -1017,7 +1041,7 @@
           <a:p>
             <a:fld id="{84B86612-B127-4CD0-BF15-66D49A7175F7}" type="datetimeFigureOut">
               <a:rPr lang="en-IN" smtClean="0"/>
-              <a:t>30-08-2025</a:t>
+              <a:t>31-08-2025</a:t>
             </a:fld>
             <a:endParaRPr lang="en-IN"/>
           </a:p>
@@ -1514,7 +1538,7 @@
           <a:p>
             <a:fld id="{1D8BD707-D9CF-40AE-B4C6-C98DA3205C09}" type="datetimeFigureOut">
               <a:rPr lang="en-US"/>
-              <a:t>8/30/2025</a:t>
+              <a:t>8/31/2025</a:t>
             </a:fld>
             <a:endParaRPr lang="en-US"/>
           </a:p>
@@ -1694,7 +1718,7 @@
           <a:p>
             <a:fld id="{1D8BD707-D9CF-40AE-B4C6-C98DA3205C09}" type="datetimeFigureOut">
               <a:rPr lang="en-US"/>
-              <a:t>8/30/2025</a:t>
+              <a:t>8/31/2025</a:t>
             </a:fld>
             <a:endParaRPr lang="en-US"/>
           </a:p>
@@ -1917,7 +1941,7 @@
           <a:p>
             <a:fld id="{1D8BD707-D9CF-40AE-B4C6-C98DA3205C09}" type="datetimeFigureOut">
               <a:rPr lang="en-US"/>
-              <a:t>8/30/2025</a:t>
+              <a:t>8/31/2025</a:t>
             </a:fld>
             <a:endParaRPr lang="en-US"/>
           </a:p>
@@ -2074,7 +2098,7 @@
           <a:p>
             <a:fld id="{1D8BD707-D9CF-40AE-B4C6-C98DA3205C09}" type="datetimeFigureOut">
               <a:rPr lang="en-US"/>
-              <a:t>8/30/2025</a:t>
+              <a:t>8/31/2025</a:t>
             </a:fld>
             <a:endParaRPr lang="en-US"/>
           </a:p>
@@ -2202,7 +2226,7 @@
           <a:p>
             <a:fld id="{1D8BD707-D9CF-40AE-B4C6-C98DA3205C09}" type="datetimeFigureOut">
               <a:rPr lang="en-US"/>
-              <a:t>8/30/2025</a:t>
+              <a:t>8/31/2025</a:t>
             </a:fld>
             <a:endParaRPr lang="en-US"/>
           </a:p>
@@ -2921,7 +2945,7 @@
           <a:p>
             <a:fld id="{1D8BD707-D9CF-40AE-B4C6-C98DA3205C09}" type="datetimeFigureOut">
               <a:rPr lang="en-US"/>
-              <a:t>8/30/2025</a:t>
+              <a:t>8/31/2025</a:t>
             </a:fld>
             <a:endParaRPr lang="en-US"/>
           </a:p>
@@ -4935,6 +4959,100 @@
       </p:grpSpPr>
       <p:sp>
         <p:nvSpPr>
+          <p:cNvPr id="2" name="Title 1">
+            <a:extLst>
+              <a:ext uri="{FF2B5EF4-FFF2-40B4-BE49-F238E27FC236}">
+                <a16:creationId xmlns:a16="http://schemas.microsoft.com/office/drawing/2014/main" id="{4BF54AD2-1150-CF6A-6090-DBCAABB53330}"/>
+              </a:ext>
+            </a:extLst>
+          </p:cNvPr>
+          <p:cNvSpPr>
+            <a:spLocks noGrp="1"/>
+          </p:cNvSpPr>
+          <p:nvPr>
+            <p:ph type="title"/>
+          </p:nvPr>
+        </p:nvSpPr>
+        <p:spPr/>
+        <p:txBody>
+          <a:bodyPr/>
+          <a:lstStyle/>
+          <a:p>
+            <a:r>
+              <a:rPr lang="en-IN" dirty="0"/>
+              <a:t>Github link:</a:t>
+            </a:r>
+          </a:p>
+        </p:txBody>
+      </p:sp>
+      <p:sp>
+        <p:nvSpPr>
+          <p:cNvPr id="3" name="Text Placeholder 2">
+            <a:extLst>
+              <a:ext uri="{FF2B5EF4-FFF2-40B4-BE49-F238E27FC236}">
+                <a16:creationId xmlns:a16="http://schemas.microsoft.com/office/drawing/2014/main" id="{20588FD5-0C8B-F90A-9C9A-98AA34C33015}"/>
+              </a:ext>
+            </a:extLst>
+          </p:cNvPr>
+          <p:cNvSpPr>
+            <a:spLocks noGrp="1"/>
+          </p:cNvSpPr>
+          <p:nvPr>
+            <p:ph type="body" idx="1"/>
+          </p:nvPr>
+        </p:nvSpPr>
+        <p:spPr>
+          <a:xfrm>
+            <a:off x="609600" y="2514600"/>
+            <a:ext cx="6781800" cy="429399"/>
+          </a:xfrm>
+        </p:spPr>
+        <p:txBody>
+          <a:bodyPr/>
+          <a:lstStyle/>
+          <a:p>
+            <a:pPr algn="just"/>
+            <a:r>
+              <a:rPr lang="en-IN" dirty="0">
+                <a:hlinkClick r:id="rId2"/>
+              </a:rPr>
+              <a:t>https://buvanesh-lgtm.github.io/TNSDC-FWD-Digitialportfilo/</a:t>
+            </a:r>
+          </a:p>
+        </p:txBody>
+      </p:sp>
+    </p:spTree>
+    <p:extLst>
+      <p:ext uri="{BB962C8B-B14F-4D97-AF65-F5344CB8AC3E}">
+        <p14:creationId xmlns:p14="http://schemas.microsoft.com/office/powerpoint/2010/main" val="329222457"/>
+      </p:ext>
+    </p:extLst>
+  </p:cSld>
+  <p:clrMapOvr>
+    <a:masterClrMapping/>
+  </p:clrMapOvr>
+</p:sld>
+</file>
+
+<file path=ppt/slides/slide18.xml><?xml version="1.0" encoding="utf-8"?>
+<p:sld xmlns:a="http://schemas.openxmlformats.org/drawingml/2006/main" xmlns:r="http://schemas.openxmlformats.org/officeDocument/2006/relationships" xmlns:p="http://schemas.openxmlformats.org/presentationml/2006/main">
+  <p:cSld>
+    <p:spTree>
+      <p:nvGrpSpPr>
+        <p:cNvPr id="1" name=""/>
+        <p:cNvGrpSpPr/>
+        <p:nvPr/>
+      </p:nvGrpSpPr>
+      <p:grpSpPr>
+        <a:xfrm>
+          <a:off x="0" y="0"/>
+          <a:ext cx="0" cy="0"/>
+          <a:chOff x="0" y="0"/>
+          <a:chExt cx="0" cy="0"/>
+        </a:xfrm>
+      </p:grpSpPr>
+      <p:sp>
+        <p:nvSpPr>
           <p:cNvPr id="3" name="object 3"/>
           <p:cNvSpPr/>
           <p:nvPr/>
@@ -5251,7 +5369,7 @@
                 <a:latin typeface="Trebuchet MS"/>
                 <a:cs typeface="Trebuchet MS"/>
               </a:rPr>
-              <a:t>17</a:t>
+              <a:t>18</a:t>
             </a:fld>
             <a:endParaRPr sz="1100">
               <a:latin typeface="Trebuchet MS"/>
